--- a/document/中期答辩.pptx
+++ b/document/中期答辩.pptx
@@ -146,6 +146,7 @@
             <p14:sldId id="257"/>
             <p14:sldId id="278"/>
             <p14:sldId id="374"/>
+            <p14:sldId id="375"/>
             <p14:sldId id="376"/>
             <p14:sldId id="377"/>
             <p14:sldId id="378"/>
@@ -163,7 +164,6 @@
             <p14:sldId id="281"/>
             <p14:sldId id="269"/>
             <p14:sldId id="282"/>
-            <p14:sldId id="375"/>
           </p14:sldIdLst>
         </p14:section>
         <p14:section name="无标题节" id="{78463cb2-07c9-4acd-953a-0217398ccdaa}">
@@ -11170,7 +11170,7 @@
         <p:spPr>
           <a:xfrm>
             <a:off x="8378852" y="4137273"/>
-            <a:ext cx="1177713" cy="1107996"/>
+            <a:ext cx="1177713" cy="1477010"/>
           </a:xfrm>
           <a:prstGeom prst="rect">
             <a:avLst/>
@@ -11206,18 +11206,6 @@
               </a:lnSpc>
             </a:pPr>
             <a:r>
-              <a:rPr lang="zh-CN" altLang="en-US" sz="1000" dirty="0">
-                <a:solidFill>
-                  <a:schemeClr val="bg1">
-                    <a:lumMod val="65000"/>
-                  </a:schemeClr>
-                </a:solidFill>
-                <a:latin typeface="微软雅黑" panose="020B0503020204020204" pitchFamily="34" charset="-122"/>
-                <a:ea typeface="微软雅黑" panose="020B0503020204020204" pitchFamily="34" charset="-122"/>
-              </a:rPr>
-              <a:t>详写内容</a:t>
-            </a:r>
-            <a:r>
               <a:rPr lang="en-US" altLang="zh-CN" sz="1000" dirty="0">
                 <a:solidFill>
                   <a:schemeClr val="bg1">
@@ -11227,19 +11215,7 @@
                 <a:latin typeface="微软雅黑" panose="020B0503020204020204" pitchFamily="34" charset="-122"/>
                 <a:ea typeface="微软雅黑" panose="020B0503020204020204" pitchFamily="34" charset="-122"/>
               </a:rPr>
-              <a:t>……</a:t>
-            </a:r>
-            <a:r>
-              <a:rPr lang="zh-CN" altLang="en-US" sz="1000" dirty="0">
-                <a:solidFill>
-                  <a:schemeClr val="bg1">
-                    <a:lumMod val="65000"/>
-                  </a:schemeClr>
-                </a:solidFill>
-                <a:latin typeface="微软雅黑" panose="020B0503020204020204" pitchFamily="34" charset="-122"/>
-                <a:ea typeface="微软雅黑" panose="020B0503020204020204" pitchFamily="34" charset="-122"/>
-              </a:rPr>
-              <a:t>点击输入本栏的具体文字，简明扼要的说明分项内容，此为概念图解，请根据您的具体内容酌情修改。</a:t>
+              <a:t>MyBatis 是一款优秀的持久层框架，它支持定制化 SQL、存储过程以及高级映射。MyBatis 避免了几乎所有的 JDBC 代码和手动设置参数以及获取结果集。</a:t>
             </a:r>
             <a:endParaRPr lang="en-US" altLang="zh-CN" sz="1000" dirty="0">
               <a:solidFill>
